--- a/123/NMOP/draft-ietf-nmop-message-broker-telemetry-message.pptx
+++ b/123/NMOP/draft-ietf-nmop-message-broker-telemetry-message.pptx
@@ -124,13 +124,113 @@
 <file path=ppt/revisionInfo.xml><?xml version="1.0" encoding="utf-8"?>
 <p1510:revInfo xmlns:a="http://schemas.openxmlformats.org/drawingml/2006/main" xmlns:r="http://schemas.openxmlformats.org/officeDocument/2006/relationships" xmlns:p1510="http://schemas.microsoft.com/office/powerpoint/2015/10/main">
   <p1510:revLst>
-    <p1510:client id="{23DAAAFE-1C75-48F9-94BE-1C45A7C23D09}" v="9" dt="2025-02-13T13:10:06.535"/>
+    <p1510:client id="{8B7DDD1E-476E-48B7-BB6B-12EE19C1CA43}" v="7" dt="2025-07-15T08:22:52.010"/>
   </p1510:revLst>
 </p1510:revInfo>
 </file>
 
 <file path=ppt/changesInfos/changesInfo1.xml><?xml version="1.0" encoding="utf-8"?>
 <pc:chgInfo xmlns:a="http://schemas.openxmlformats.org/drawingml/2006/main" xmlns:r="http://schemas.openxmlformats.org/officeDocument/2006/relationships" xmlns:ac="http://schemas.microsoft.com/office/drawing/2013/main/command" xmlns:pc="http://schemas.microsoft.com/office/powerpoint/2013/main/command">
+  <pc:docChgLst>
+    <pc:chgData name="Graf Thomas, SCS-INI-NET-VNC-E2E" userId="487bc3e3-9ce7-4cdd-b7b4-8899ea88d289" providerId="ADAL" clId="{8B7DDD1E-476E-48B7-BB6B-12EE19C1CA43}"/>
+    <pc:docChg chg="undo custSel modSld">
+      <pc:chgData name="Graf Thomas, SCS-INI-NET-VNC-E2E" userId="487bc3e3-9ce7-4cdd-b7b4-8899ea88d289" providerId="ADAL" clId="{8B7DDD1E-476E-48B7-BB6B-12EE19C1CA43}" dt="2025-07-15T08:22:52.010" v="1147"/>
+      <pc:docMkLst>
+        <pc:docMk/>
+      </pc:docMkLst>
+      <pc:sldChg chg="modSp mod">
+        <pc:chgData name="Graf Thomas, SCS-INI-NET-VNC-E2E" userId="487bc3e3-9ce7-4cdd-b7b4-8899ea88d289" providerId="ADAL" clId="{8B7DDD1E-476E-48B7-BB6B-12EE19C1CA43}" dt="2025-07-15T08:20:21.348" v="1119" actId="113"/>
+        <pc:sldMkLst>
+          <pc:docMk/>
+          <pc:sldMk cId="2556567447" sldId="2145706298"/>
+        </pc:sldMkLst>
+        <pc:spChg chg="mod">
+          <ac:chgData name="Graf Thomas, SCS-INI-NET-VNC-E2E" userId="487bc3e3-9ce7-4cdd-b7b4-8899ea88d289" providerId="ADAL" clId="{8B7DDD1E-476E-48B7-BB6B-12EE19C1CA43}" dt="2025-07-15T07:46:55.048" v="0" actId="27636"/>
+          <ac:spMkLst>
+            <pc:docMk/>
+            <pc:sldMk cId="2556567447" sldId="2145706298"/>
+            <ac:spMk id="4" creationId="{EA7FBD0A-0CC6-6C45-999D-F08B603FE400}"/>
+          </ac:spMkLst>
+        </pc:spChg>
+        <pc:spChg chg="mod">
+          <ac:chgData name="Graf Thomas, SCS-INI-NET-VNC-E2E" userId="487bc3e3-9ce7-4cdd-b7b4-8899ea88d289" providerId="ADAL" clId="{8B7DDD1E-476E-48B7-BB6B-12EE19C1CA43}" dt="2025-07-15T08:20:21.348" v="1119" actId="113"/>
+          <ac:spMkLst>
+            <pc:docMk/>
+            <pc:sldMk cId="2556567447" sldId="2145706298"/>
+            <ac:spMk id="5" creationId="{319EF4AB-C888-06C3-853C-5D9A038F3A9C}"/>
+          </ac:spMkLst>
+        </pc:spChg>
+      </pc:sldChg>
+      <pc:sldChg chg="modSp mod">
+        <pc:chgData name="Graf Thomas, SCS-INI-NET-VNC-E2E" userId="487bc3e3-9ce7-4cdd-b7b4-8899ea88d289" providerId="ADAL" clId="{8B7DDD1E-476E-48B7-BB6B-12EE19C1CA43}" dt="2025-07-15T08:21:41.405" v="1132" actId="20577"/>
+        <pc:sldMkLst>
+          <pc:docMk/>
+          <pc:sldMk cId="3572563041" sldId="2145706300"/>
+        </pc:sldMkLst>
+        <pc:spChg chg="mod">
+          <ac:chgData name="Graf Thomas, SCS-INI-NET-VNC-E2E" userId="487bc3e3-9ce7-4cdd-b7b4-8899ea88d289" providerId="ADAL" clId="{8B7DDD1E-476E-48B7-BB6B-12EE19C1CA43}" dt="2025-07-15T08:21:41.405" v="1132" actId="20577"/>
+          <ac:spMkLst>
+            <pc:docMk/>
+            <pc:sldMk cId="3572563041" sldId="2145706300"/>
+            <ac:spMk id="3" creationId="{16DE6F4D-FDC3-0850-6097-4E8C926A906C}"/>
+          </ac:spMkLst>
+        </pc:spChg>
+      </pc:sldChg>
+      <pc:sldChg chg="addSp modSp">
+        <pc:chgData name="Graf Thomas, SCS-INI-NET-VNC-E2E" userId="487bc3e3-9ce7-4cdd-b7b4-8899ea88d289" providerId="ADAL" clId="{8B7DDD1E-476E-48B7-BB6B-12EE19C1CA43}" dt="2025-07-15T08:22:52.010" v="1147"/>
+        <pc:sldMkLst>
+          <pc:docMk/>
+          <pc:sldMk cId="242833706" sldId="2145706302"/>
+        </pc:sldMkLst>
+        <pc:spChg chg="add mod">
+          <ac:chgData name="Graf Thomas, SCS-INI-NET-VNC-E2E" userId="487bc3e3-9ce7-4cdd-b7b4-8899ea88d289" providerId="ADAL" clId="{8B7DDD1E-476E-48B7-BB6B-12EE19C1CA43}" dt="2025-07-15T08:22:52.010" v="1147"/>
+          <ac:spMkLst>
+            <pc:docMk/>
+            <pc:sldMk cId="242833706" sldId="2145706302"/>
+            <ac:spMk id="2" creationId="{8D4EFE3D-1B30-96CC-CDB5-7836844EFEDD}"/>
+          </ac:spMkLst>
+        </pc:spChg>
+      </pc:sldChg>
+      <pc:sldChg chg="modSp mod">
+        <pc:chgData name="Graf Thomas, SCS-INI-NET-VNC-E2E" userId="487bc3e3-9ce7-4cdd-b7b4-8899ea88d289" providerId="ADAL" clId="{8B7DDD1E-476E-48B7-BB6B-12EE19C1CA43}" dt="2025-07-15T07:58:21.377" v="530" actId="20577"/>
+        <pc:sldMkLst>
+          <pc:docMk/>
+          <pc:sldMk cId="1582024394" sldId="2145706304"/>
+        </pc:sldMkLst>
+        <pc:spChg chg="mod">
+          <ac:chgData name="Graf Thomas, SCS-INI-NET-VNC-E2E" userId="487bc3e3-9ce7-4cdd-b7b4-8899ea88d289" providerId="ADAL" clId="{8B7DDD1E-476E-48B7-BB6B-12EE19C1CA43}" dt="2025-07-15T07:58:21.377" v="530" actId="20577"/>
+          <ac:spMkLst>
+            <pc:docMk/>
+            <pc:sldMk cId="1582024394" sldId="2145706304"/>
+            <ac:spMk id="3" creationId="{A4531EA2-603E-B6D1-1465-86C96A4D28A9}"/>
+          </ac:spMkLst>
+        </pc:spChg>
+      </pc:sldChg>
+      <pc:sldChg chg="modSp mod">
+        <pc:chgData name="Graf Thomas, SCS-INI-NET-VNC-E2E" userId="487bc3e3-9ce7-4cdd-b7b4-8899ea88d289" providerId="ADAL" clId="{8B7DDD1E-476E-48B7-BB6B-12EE19C1CA43}" dt="2025-07-15T08:22:06.545" v="1146" actId="20577"/>
+        <pc:sldMkLst>
+          <pc:docMk/>
+          <pc:sldMk cId="3642019823" sldId="2145706305"/>
+        </pc:sldMkLst>
+        <pc:spChg chg="mod">
+          <ac:chgData name="Graf Thomas, SCS-INI-NET-VNC-E2E" userId="487bc3e3-9ce7-4cdd-b7b4-8899ea88d289" providerId="ADAL" clId="{8B7DDD1E-476E-48B7-BB6B-12EE19C1CA43}" dt="2025-07-15T08:19:35.114" v="1114" actId="20577"/>
+          <ac:spMkLst>
+            <pc:docMk/>
+            <pc:sldMk cId="3642019823" sldId="2145706305"/>
+            <ac:spMk id="3" creationId="{69031150-3125-7A5A-BE65-78792A5A03BB}"/>
+          </ac:spMkLst>
+        </pc:spChg>
+        <pc:spChg chg="mod">
+          <ac:chgData name="Graf Thomas, SCS-INI-NET-VNC-E2E" userId="487bc3e3-9ce7-4cdd-b7b4-8899ea88d289" providerId="ADAL" clId="{8B7DDD1E-476E-48B7-BB6B-12EE19C1CA43}" dt="2025-07-15T08:22:06.545" v="1146" actId="20577"/>
+          <ac:spMkLst>
+            <pc:docMk/>
+            <pc:sldMk cId="3642019823" sldId="2145706305"/>
+            <ac:spMk id="15" creationId="{4B5FD8CA-EAC9-5689-B175-1822CE08635A}"/>
+          </ac:spMkLst>
+        </pc:spChg>
+      </pc:sldChg>
+    </pc:docChg>
+  </pc:docChgLst>
   <pc:docChgLst>
     <pc:chgData name="Graf Thomas, INI-NET-VNC-E2E" userId="487bc3e3-9ce7-4cdd-b7b4-8899ea88d289" providerId="ADAL" clId="{23DAAAFE-1C75-48F9-94BE-1C45A7C23D09}"/>
     <pc:docChg chg="undo custSel addSld delSld modSld sldOrd">
@@ -640,7 +740,7 @@
           <a:p>
             <a:fld id="{E5E705E9-673F-4AC4-B29E-A7B26F3B8523}" type="datetimeFigureOut">
               <a:rPr lang="de-CH" smtClean="0"/>
-              <a:t>14.07.25</a:t>
+              <a:t>15.07.2025</a:t>
             </a:fld>
             <a:endParaRPr lang="de-CH"/>
           </a:p>
@@ -1578,7 +1678,7 @@
           <a:p>
             <a:fld id="{44F81FD1-C2D9-DD4C-8451-38288517794C}" type="datetime1">
               <a:rPr lang="en-US" smtClean="0"/>
-              <a:t>7/14/25</a:t>
+              <a:t>7/15/2025</a:t>
             </a:fld>
             <a:endParaRPr lang="de-CH"/>
           </a:p>
@@ -1778,7 +1878,7 @@
           <a:p>
             <a:fld id="{B11CC714-994E-E448-8E77-C9D52DC5AFA5}" type="datetime1">
               <a:rPr lang="en-US" smtClean="0"/>
-              <a:t>7/14/25</a:t>
+              <a:t>7/15/2025</a:t>
             </a:fld>
             <a:endParaRPr lang="de-CH"/>
           </a:p>
@@ -1988,7 +2088,7 @@
           <a:p>
             <a:fld id="{53A3613A-477B-9340-A0BA-393404BB06D7}" type="datetime1">
               <a:rPr lang="en-US" smtClean="0"/>
-              <a:t>7/14/25</a:t>
+              <a:t>7/15/2025</a:t>
             </a:fld>
             <a:endParaRPr lang="de-CH"/>
           </a:p>
@@ -3201,7 +3301,7 @@
           <a:p>
             <a:fld id="{9B86A4A2-2AFE-9C43-B8B7-99115FCDC56B}" type="datetime1">
               <a:rPr lang="en-US" smtClean="0"/>
-              <a:t>7/14/25</a:t>
+              <a:t>7/15/2025</a:t>
             </a:fld>
             <a:endParaRPr lang="de-CH"/>
           </a:p>
@@ -3477,7 +3577,7 @@
           <a:p>
             <a:fld id="{FB7D02C1-3929-C54D-98DA-9E30ED05E981}" type="datetime1">
               <a:rPr lang="en-US" smtClean="0"/>
-              <a:t>7/14/25</a:t>
+              <a:t>7/15/2025</a:t>
             </a:fld>
             <a:endParaRPr lang="de-CH"/>
           </a:p>
@@ -3745,7 +3845,7 @@
           <a:p>
             <a:fld id="{6C76F017-2592-8747-9022-4A74C2F8C368}" type="datetime1">
               <a:rPr lang="en-US" smtClean="0"/>
-              <a:t>7/14/25</a:t>
+              <a:t>7/15/2025</a:t>
             </a:fld>
             <a:endParaRPr lang="de-CH"/>
           </a:p>
@@ -4160,7 +4260,7 @@
           <a:p>
             <a:fld id="{AA3FF649-F9FE-F244-9473-47CF250C4809}" type="datetime1">
               <a:rPr lang="en-US" smtClean="0"/>
-              <a:t>7/14/25</a:t>
+              <a:t>7/15/2025</a:t>
             </a:fld>
             <a:endParaRPr lang="de-CH"/>
           </a:p>
@@ -4302,7 +4402,7 @@
           <a:p>
             <a:fld id="{732494D1-3863-254E-B6B0-C8C5B06ADF60}" type="datetime1">
               <a:rPr lang="en-US" smtClean="0"/>
-              <a:t>7/14/25</a:t>
+              <a:t>7/15/2025</a:t>
             </a:fld>
             <a:endParaRPr lang="de-CH"/>
           </a:p>
@@ -4415,7 +4515,7 @@
           <a:p>
             <a:fld id="{F872E3C0-921F-1C4F-B1D8-62EA72C50CA5}" type="datetime1">
               <a:rPr lang="en-US" smtClean="0"/>
-              <a:t>7/14/25</a:t>
+              <a:t>7/15/2025</a:t>
             </a:fld>
             <a:endParaRPr lang="de-CH"/>
           </a:p>
@@ -4728,7 +4828,7 @@
           <a:p>
             <a:fld id="{B8F447BF-965A-9948-B96E-E2BE1CA0FA7E}" type="datetime1">
               <a:rPr lang="en-US" smtClean="0"/>
-              <a:t>7/14/25</a:t>
+              <a:t>7/15/2025</a:t>
             </a:fld>
             <a:endParaRPr lang="de-CH"/>
           </a:p>
@@ -5017,7 +5117,7 @@
           <a:p>
             <a:fld id="{E58B325B-0A0E-7D40-8636-2C1A43305DE0}" type="datetime1">
               <a:rPr lang="en-US" smtClean="0"/>
-              <a:t>7/14/25</a:t>
+              <a:t>7/15/2025</a:t>
             </a:fld>
             <a:endParaRPr lang="de-CH"/>
           </a:p>
@@ -5260,7 +5360,7 @@
           <a:p>
             <a:fld id="{F80DE3D0-F018-984C-8E99-F3C047C252F9}" type="datetime1">
               <a:rPr lang="en-US" smtClean="0"/>
-              <a:t>7/14/25</a:t>
+              <a:t>7/15/2025</a:t>
             </a:fld>
             <a:endParaRPr lang="de-CH"/>
           </a:p>
@@ -6252,7 +6352,7 @@
         </p:spPr>
         <p:txBody>
           <a:bodyPr anchor="ctr">
-            <a:normAutofit fontScale="90000"/>
+            <a:normAutofit/>
           </a:bodyPr>
           <a:lstStyle/>
           <a:p>
@@ -6310,29 +6410,47 @@
         </p:spPr>
         <p:txBody>
           <a:bodyPr anchor="ctr">
-            <a:normAutofit/>
+            <a:normAutofit lnSpcReduction="10000"/>
           </a:bodyPr>
           <a:lstStyle/>
           <a:p>
             <a:r>
               <a:rPr lang="en-US" sz="1800" dirty="0"/>
-              <a:t>The integration architecture is defined in draft-</a:t>
-            </a:r>
-            <a:r>
-              <a:rPr lang="en-US" sz="1800" dirty="0" err="1"/>
+              <a:t>The integration architecture is defined in </a:t>
+            </a:r>
+            <a:r>
+              <a:rPr lang="en-US" sz="1800" dirty="0">
+                <a:hlinkClick r:id="rId2"/>
+              </a:rPr>
+              <a:t>draft-</a:t>
+            </a:r>
+            <a:r>
+              <a:rPr lang="en-US" sz="1800" dirty="0" err="1">
+                <a:hlinkClick r:id="rId2"/>
+              </a:rPr>
               <a:t>ietf</a:t>
             </a:r>
             <a:r>
+              <a:rPr lang="en-US" sz="1800" dirty="0">
+                <a:hlinkClick r:id="rId2"/>
+              </a:rPr>
+              <a:t>-</a:t>
+            </a:r>
+            <a:r>
+              <a:rPr lang="en-US" sz="1800" dirty="0" err="1">
+                <a:hlinkClick r:id="rId2"/>
+              </a:rPr>
+              <a:t>nmop</a:t>
+            </a:r>
+            <a:r>
+              <a:rPr lang="en-US" sz="1800" dirty="0">
+                <a:hlinkClick r:id="rId2"/>
+              </a:rPr>
+              <a:t>-yang-message-broker-integration</a:t>
+            </a:r>
+            <a:r>
               <a:rPr lang="en-US" sz="1800" dirty="0"/>
-              <a:t>-</a:t>
-            </a:r>
-            <a:r>
-              <a:rPr lang="en-US" sz="1800" dirty="0" err="1"/>
-              <a:t>nmop</a:t>
-            </a:r>
-            <a:r>
-              <a:rPr lang="en-US" sz="1800" dirty="0"/>
-              <a:t>-yang-message-broker-integration </a:t>
+              <a:t> </a:t>
             </a:r>
           </a:p>
           <a:p>
@@ -6341,7 +6459,7 @@
               <a:t>The message produced by the </a:t>
             </a:r>
             <a:r>
-              <a:rPr lang="en-US" sz="1800" dirty="0">
+              <a:rPr lang="en-US" sz="1800" b="1" dirty="0">
                 <a:solidFill>
                   <a:srgbClr val="FF0000"/>
                 </a:solidFill>
@@ -6349,11 +6467,15 @@
               <a:t>Data Collection YANG-Push receiver</a:t>
             </a:r>
             <a:r>
+              <a:rPr lang="en-US" sz="1800" b="1" dirty="0"/>
+              <a:t> </a:t>
+            </a:r>
+            <a:r>
               <a:rPr lang="en-US" sz="1800" dirty="0"/>
-              <a:t> towards the </a:t>
-            </a:r>
-            <a:r>
-              <a:rPr lang="en-US" sz="1800" dirty="0">
+              <a:t>towards the </a:t>
+            </a:r>
+            <a:r>
+              <a:rPr lang="en-US" sz="1800" b="1" dirty="0">
                 <a:solidFill>
                   <a:srgbClr val="FF0000"/>
                 </a:solidFill>
@@ -6361,14 +6483,36 @@
               <a:t>Message Broker</a:t>
             </a:r>
             <a:r>
+              <a:rPr lang="en-US" sz="1800" b="1" dirty="0"/>
+              <a:t> </a:t>
+            </a:r>
+            <a:r>
               <a:rPr lang="en-US" sz="1800" dirty="0"/>
-              <a:t> is assumed to be the same as the one received from the router.</a:t>
+              <a:t>is assumed to be the same as the one received from the router.</a:t>
             </a:r>
           </a:p>
           <a:p>
             <a:r>
               <a:rPr lang="en-US" sz="1800" dirty="0"/>
               <a:t>In production networks, operators often enrich collected data with additional information such as collection time and the YANG-Push subscription path.</a:t>
+            </a:r>
+          </a:p>
+          <a:p>
+            <a:r>
+              <a:rPr lang="en-US" sz="1800" dirty="0"/>
+              <a:t>This document </a:t>
+            </a:r>
+            <a:r>
+              <a:rPr lang="en-US" sz="1800" b="1" dirty="0">
+                <a:solidFill>
+                  <a:srgbClr val="FF0000"/>
+                </a:solidFill>
+              </a:rPr>
+              <a:t>aims to standardize the message format </a:t>
+            </a:r>
+            <a:r>
+              <a:rPr lang="en-US" sz="1800" dirty="0"/>
+              <a:t>between Message Broker Producer and Consumer.</a:t>
             </a:r>
           </a:p>
         </p:txBody>
@@ -6388,7 +6532,7 @@
           <p:nvPr/>
         </p:nvPicPr>
         <p:blipFill>
-          <a:blip r:embed="rId2"/>
+          <a:blip r:embed="rId3"/>
           <a:stretch>
             <a:fillRect/>
           </a:stretch>
@@ -6521,28 +6665,123 @@
           <a:lstStyle/>
           <a:p>
             <a:r>
+              <a:rPr lang="en-US" sz="1800" b="1" dirty="0">
+                <a:solidFill>
+                  <a:srgbClr val="FF0000"/>
+                </a:solidFill>
+              </a:rPr>
+              <a:t>Document adopted at NMOP. </a:t>
+            </a:r>
+            <a:r>
               <a:rPr lang="en-US" sz="1800" dirty="0"/>
-              <a:t>Addressed all feedback from IETF 122 and on the NMOP mailing list.</a:t>
+              <a:t>Thanks a lot for the support and to Benoit and Reshad for their review.</a:t>
+            </a:r>
+          </a:p>
+          <a:p>
+            <a:r>
+              <a:rPr lang="en-US" sz="1800" dirty="0"/>
+              <a:t>Addressed all feedback from IETF 122, and on the NMOP mailing list from the adoption call.</a:t>
             </a:r>
           </a:p>
           <a:p>
             <a:pPr lvl="1"/>
             <a:r>
+              <a:rPr lang="en-US" sz="1800" dirty="0" err="1"/>
+              <a:t>ietf</a:t>
+            </a:r>
+            <a:r>
               <a:rPr lang="en-US" sz="1800" dirty="0"/>
-              <a:t>Clear naming for leaves and containers.</a:t>
+              <a:t>-platform-manifest is now being imported and platform-details reused</a:t>
             </a:r>
           </a:p>
           <a:p>
             <a:pPr lvl="1"/>
             <a:r>
               <a:rPr lang="en-US" sz="1800" dirty="0"/>
-              <a:t>Add feature flags for optional metadata: network-node-manifest and data-collection-manifest.</a:t>
-            </a:r>
-          </a:p>
-          <a:p>
+              <a:t>Clear naming for </a:t>
+            </a:r>
+            <a:r>
+              <a:rPr lang="en-US" sz="1800" dirty="0" err="1"/>
+              <a:t>leafs</a:t>
+            </a:r>
             <a:r>
               <a:rPr lang="en-US" sz="1800" dirty="0"/>
-              <a:t>Add information about implementation status and example produced messages.</a:t>
+              <a:t> and containers based on NMOP feedback</a:t>
+            </a:r>
+          </a:p>
+          <a:p>
+            <a:pPr lvl="1"/>
+            <a:r>
+              <a:rPr lang="en-US" sz="1800" dirty="0"/>
+              <a:t>Thanks to Benoit, address and port now distinguishes between local and remote in container data-collection-metadata.</a:t>
+            </a:r>
+          </a:p>
+          <a:p>
+            <a:pPr lvl="1"/>
+            <a:r>
+              <a:rPr lang="en-US" sz="1800" dirty="0"/>
+              <a:t>Added session-protocol identities.</a:t>
+            </a:r>
+          </a:p>
+          <a:p>
+            <a:pPr lvl="1"/>
+            <a:r>
+              <a:rPr lang="en-US" sz="1800" dirty="0"/>
+              <a:t>Added feature flags for optional metadata: network-node-manifest and data-collection-manifest.</a:t>
+            </a:r>
+          </a:p>
+          <a:p>
+            <a:r>
+              <a:rPr lang="en-US" sz="1800" dirty="0"/>
+              <a:t>Updated both </a:t>
+            </a:r>
+            <a:r>
+              <a:rPr lang="en-US" sz="1800" dirty="0" err="1"/>
+              <a:t>ietf</a:t>
+            </a:r>
+            <a:r>
+              <a:rPr lang="en-US" sz="1800" dirty="0"/>
+              <a:t>-telemetry-message and </a:t>
+            </a:r>
+            <a:r>
+              <a:rPr lang="en-US" sz="1800" dirty="0" err="1"/>
+              <a:t>ietf</a:t>
+            </a:r>
+            <a:r>
+              <a:rPr lang="en-US" sz="1800" dirty="0"/>
+              <a:t>-yang-push-telemetry-message YANG modules based on feedback from </a:t>
+            </a:r>
+            <a:r>
+              <a:rPr lang="en-US" sz="1800" dirty="0">
+                <a:hlinkClick r:id="rId2"/>
+              </a:rPr>
+              <a:t>Netgauze</a:t>
+            </a:r>
+            <a:r>
+              <a:rPr lang="en-US" sz="1800" dirty="0"/>
+              <a:t> example implementation.</a:t>
+            </a:r>
+          </a:p>
+          <a:p>
+            <a:r>
+              <a:rPr lang="en-US" sz="1800" dirty="0"/>
+              <a:t>Added security section as per </a:t>
+            </a:r>
+            <a:r>
+              <a:rPr lang="en-US" sz="1800" dirty="0">
+                <a:hlinkClick r:id="rId3"/>
+              </a:rPr>
+              <a:t>RFC 8407bis </a:t>
+            </a:r>
+            <a:r>
+              <a:rPr lang="en-US" sz="1800" dirty="0"/>
+              <a:t>and IANA consideration section.</a:t>
+            </a:r>
+          </a:p>
+          <a:p>
+            <a:r>
+              <a:rPr lang="en-US" sz="1800" dirty="0"/>
+              <a:t>Added information about implementation status and examples from produced messages.</a:t>
             </a:r>
           </a:p>
         </p:txBody>
@@ -6716,13 +6955,23 @@
                   <a:srgbClr val="FF00FF"/>
                 </a:highlight>
               </a:rPr>
-              <a:t>Optional network node and collector data manifest according to draft-</a:t>
+              <a:t>Optional network node and collector data manifest reused from </a:t>
+            </a:r>
+            <a:r>
+              <a:rPr lang="en-US" sz="1800" dirty="0">
+                <a:highlight>
+                  <a:srgbClr val="FF00FF"/>
+                </a:highlight>
+                <a:hlinkClick r:id="rId3"/>
+              </a:rPr>
+              <a:t>draft-</a:t>
             </a:r>
             <a:r>
               <a:rPr lang="en-US" sz="1800" dirty="0" err="1">
                 <a:highlight>
                   <a:srgbClr val="FF00FF"/>
                 </a:highlight>
+                <a:hlinkClick r:id="rId3"/>
               </a:rPr>
               <a:t>ietf</a:t>
             </a:r>
@@ -6731,25 +6980,15 @@
                 <a:highlight>
                   <a:srgbClr val="FF00FF"/>
                 </a:highlight>
-              </a:rPr>
-              <a:t>-</a:t>
-            </a:r>
-            <a:r>
-              <a:rPr lang="en-US" sz="1800" dirty="0" err="1">
-                <a:highlight>
-                  <a:srgbClr val="FF00FF"/>
-                </a:highlight>
-              </a:rPr>
-              <a:t>opsawg</a:t>
-            </a:r>
-            <a:r>
-              <a:rPr lang="en-US" sz="1800" dirty="0">
-                <a:highlight>
-                  <a:srgbClr val="FF00FF"/>
-                </a:highlight>
-              </a:rPr>
-              <a:t>-collected-data-manifest</a:t>
-            </a:r>
+                <a:hlinkClick r:id="rId3"/>
+              </a:rPr>
+              <a:t>-opsawg-collected-data-manifest</a:t>
+            </a:r>
+            <a:endParaRPr lang="en-US" sz="1800" dirty="0">
+              <a:highlight>
+                <a:srgbClr val="FF00FF"/>
+              </a:highlight>
+            </a:endParaRPr>
           </a:p>
           <a:p>
             <a:pPr marL="342900" indent="-342900">
@@ -8830,7 +9069,20 @@
               <a:rPr lang="en-US" sz="1800" dirty="0">
                 <a:cs typeface="Courier New" panose="02070309020205020404" pitchFamily="49" charset="0"/>
               </a:rPr>
-              <a:t>-telemetry-message with YANG-Push subscription with information obtained from the YANG-Push subscription-started notification. </a:t>
+              <a:t>-telemetry-message with YANG-Push subscription with information obtained from the </a:t>
+            </a:r>
+            <a:r>
+              <a:rPr lang="en-US" sz="1800" dirty="0">
+                <a:cs typeface="Courier New" panose="02070309020205020404" pitchFamily="49" charset="0"/>
+                <a:hlinkClick r:id="rId3"/>
+              </a:rPr>
+              <a:t>YANG-Push subscription-started notification</a:t>
+            </a:r>
+            <a:r>
+              <a:rPr lang="en-US" sz="1800" dirty="0">
+                <a:cs typeface="Courier New" panose="02070309020205020404" pitchFamily="49" charset="0"/>
+              </a:rPr>
+              <a:t>. </a:t>
             </a:r>
           </a:p>
           <a:p>
@@ -9965,8 +10217,72 @@
               <a:buChar char="-"/>
             </a:pPr>
             <a:r>
+              <a:rPr lang="en-US" sz="1800" b="1" dirty="0">
+                <a:solidFill>
+                  <a:srgbClr val="FF0000"/>
+                </a:solidFill>
+              </a:rPr>
+              <a:t>Request more feedback</a:t>
+            </a:r>
+            <a:r>
               <a:rPr lang="en-US" sz="1800" dirty="0"/>
-              <a:t>Validate consuming telemetry message with Blue Planet Unified Assurance and Analytics (UAA) and anomaly detection systems.</a:t>
+              <a:t> from NMOP, BBF Broadband Network Data Collection (BNDC), network operators and network analytics software development colleagues wherever the proposed schema </a:t>
+            </a:r>
+            <a:br>
+              <a:rPr lang="en-US" sz="1800" dirty="0"/>
+            </a:br>
+            <a:endParaRPr lang="en-US" sz="1800" dirty="0"/>
+          </a:p>
+          <a:p>
+            <a:pPr lvl="1">
+              <a:buFontTx/>
+              <a:buChar char="-"/>
+            </a:pPr>
+            <a:r>
+              <a:rPr lang="en-US" sz="1800" dirty="0"/>
+              <a:t>The structure makes sense </a:t>
+            </a:r>
+          </a:p>
+          <a:p>
+            <a:pPr lvl="1">
+              <a:buFontTx/>
+              <a:buChar char="-"/>
+            </a:pPr>
+            <a:r>
+              <a:rPr lang="en-US" sz="1800" dirty="0"/>
+              <a:t>Accommodates all needs or is missing elements</a:t>
+            </a:r>
+            <a:br>
+              <a:rPr lang="en-US" sz="1800" dirty="0"/>
+            </a:br>
+            <a:endParaRPr lang="en-US" sz="1800" dirty="0"/>
+          </a:p>
+          <a:p>
+            <a:pPr>
+              <a:buFontTx/>
+              <a:buChar char="-"/>
+            </a:pPr>
+            <a:r>
+              <a:rPr lang="en-US" sz="1800" dirty="0"/>
+              <a:t>Validate consuming telemetry message with </a:t>
+            </a:r>
+            <a:r>
+              <a:rPr lang="en-US" sz="1800" dirty="0" err="1"/>
+              <a:t>Ciena</a:t>
+            </a:r>
+            <a:r>
+              <a:rPr lang="en-US" sz="1800" dirty="0"/>
+              <a:t> Blue Planet Unified Assurance and Analytics (UAA), Network Anomaly Detection and YANG transformation systems.</a:t>
+            </a:r>
+          </a:p>
+          <a:p>
+            <a:pPr>
+              <a:buFontTx/>
+              <a:buChar char="-"/>
+            </a:pPr>
+            <a:r>
+              <a:rPr lang="en-US" sz="1800" dirty="0"/>
+              <a:t>Propose second augmentation supporting IPFIX. Addressing WT-508 requirements from Broadband Forum.</a:t>
             </a:r>
           </a:p>
           <a:p>
@@ -10088,7 +10404,7 @@
           <a:p>
             <a:r>
               <a:rPr lang="en-US" sz="2200" b="1" dirty="0"/>
-              <a:t>Next steps</a:t>
+              <a:t>Questions and Next steps</a:t>
             </a:r>
             <a:endParaRPr lang="en-US" sz="2000" b="1" dirty="0"/>
           </a:p>
@@ -10241,6 +10557,46 @@
               <a:t>7</a:t>
             </a:fld>
             <a:endParaRPr lang="de-CH"/>
+          </a:p>
+        </p:txBody>
+      </p:sp>
+      <p:sp>
+        <p:nvSpPr>
+          <p:cNvPr id="2" name="TextBox 1">
+            <a:extLst>
+              <a:ext uri="{FF2B5EF4-FFF2-40B4-BE49-F238E27FC236}">
+                <a16:creationId xmlns:a16="http://schemas.microsoft.com/office/drawing/2014/main" id="{8D4EFE3D-1B30-96CC-CDB5-7836844EFEDD}"/>
+              </a:ext>
+            </a:extLst>
+          </p:cNvPr>
+          <p:cNvSpPr txBox="1"/>
+          <p:nvPr/>
+        </p:nvSpPr>
+        <p:spPr>
+          <a:xfrm>
+            <a:off x="5546786" y="307040"/>
+            <a:ext cx="6530196" cy="523220"/>
+          </a:xfrm>
+          <a:prstGeom prst="rect">
+            <a:avLst/>
+          </a:prstGeom>
+          <a:noFill/>
+        </p:spPr>
+        <p:txBody>
+          <a:bodyPr wrap="square">
+            <a:spAutoFit/>
+          </a:bodyPr>
+          <a:lstStyle/>
+          <a:p>
+            <a:r>
+              <a:rPr lang="de-CH" sz="2800" dirty="0">
+                <a:solidFill>
+                  <a:schemeClr val="accent4"/>
+                </a:solidFill>
+                <a:latin typeface="TheSans Swisscom" panose="020B0603020202020204" pitchFamily="34" charset="0"/>
+              </a:rPr>
+              <a:t>https://www.network-analytics.org/yp/</a:t>
+            </a:r>
           </a:p>
         </p:txBody>
       </p:sp>
